--- a/img/Evaluation-Bandwidth.pptx
+++ b/img/Evaluation-Bandwidth.pptx
@@ -624,7 +624,7 @@
                   </c:numRef>
                 </c:val>
                 <c:smooth val="0"/>
-                <c:extLst>
+                <c:extLst xmlns:c15="http://schemas.microsoft.com/office/drawing/2012/chart">
                   <c:ext xmlns:c16="http://schemas.microsoft.com/office/drawing/2014/chart" uri="{C3380CC4-5D6E-409C-BE32-E72D297353CC}">
                     <c16:uniqueId val="{00000003-BD1D-4888-A6C6-4F32927EA447}"/>
                   </c:ext>
@@ -661,9 +661,14 @@
                   </a:defRPr>
                 </a:pPr>
                 <a:r>
+                  <a:rPr lang="de-CH" sz="1600" dirty="0"/>
+                  <a:t>Buffer </a:t>
+                </a:r>
+                <a:r>
                   <a:rPr lang="de-CH" sz="1600"/>
-                  <a:t>Buffer Size [KB]</a:t>
+                  <a:t>Size [Bytes]</a:t>
                 </a:r>
+                <a:endParaRPr lang="de-CH" sz="1600" dirty="0"/>
               </a:p>
             </c:rich>
           </c:tx>
@@ -1627,7 +1632,7 @@
           <a:p>
             <a:fld id="{F396D7B5-DCC5-4560-8F23-9D82367B6253}" type="datetimeFigureOut">
               <a:rPr lang="en-US" smtClean="0"/>
-              <a:t>6/13/2019</a:t>
+              <a:t>7/1/2019</a:t>
             </a:fld>
             <a:endParaRPr lang="en-US"/>
           </a:p>
@@ -1827,7 +1832,7 @@
           <a:p>
             <a:fld id="{F396D7B5-DCC5-4560-8F23-9D82367B6253}" type="datetimeFigureOut">
               <a:rPr lang="en-US" smtClean="0"/>
-              <a:t>6/13/2019</a:t>
+              <a:t>7/1/2019</a:t>
             </a:fld>
             <a:endParaRPr lang="en-US"/>
           </a:p>
@@ -2037,7 +2042,7 @@
           <a:p>
             <a:fld id="{F396D7B5-DCC5-4560-8F23-9D82367B6253}" type="datetimeFigureOut">
               <a:rPr lang="en-US" smtClean="0"/>
-              <a:t>6/13/2019</a:t>
+              <a:t>7/1/2019</a:t>
             </a:fld>
             <a:endParaRPr lang="en-US"/>
           </a:p>
@@ -2237,7 +2242,7 @@
           <a:p>
             <a:fld id="{F396D7B5-DCC5-4560-8F23-9D82367B6253}" type="datetimeFigureOut">
               <a:rPr lang="en-US" smtClean="0"/>
-              <a:t>6/13/2019</a:t>
+              <a:t>7/1/2019</a:t>
             </a:fld>
             <a:endParaRPr lang="en-US"/>
           </a:p>
@@ -2513,7 +2518,7 @@
           <a:p>
             <a:fld id="{F396D7B5-DCC5-4560-8F23-9D82367B6253}" type="datetimeFigureOut">
               <a:rPr lang="en-US" smtClean="0"/>
-              <a:t>6/13/2019</a:t>
+              <a:t>7/1/2019</a:t>
             </a:fld>
             <a:endParaRPr lang="en-US"/>
           </a:p>
@@ -2781,7 +2786,7 @@
           <a:p>
             <a:fld id="{F396D7B5-DCC5-4560-8F23-9D82367B6253}" type="datetimeFigureOut">
               <a:rPr lang="en-US" smtClean="0"/>
-              <a:t>6/13/2019</a:t>
+              <a:t>7/1/2019</a:t>
             </a:fld>
             <a:endParaRPr lang="en-US"/>
           </a:p>
@@ -3196,7 +3201,7 @@
           <a:p>
             <a:fld id="{F396D7B5-DCC5-4560-8F23-9D82367B6253}" type="datetimeFigureOut">
               <a:rPr lang="en-US" smtClean="0"/>
-              <a:t>6/13/2019</a:t>
+              <a:t>7/1/2019</a:t>
             </a:fld>
             <a:endParaRPr lang="en-US"/>
           </a:p>
@@ -3338,7 +3343,7 @@
           <a:p>
             <a:fld id="{F396D7B5-DCC5-4560-8F23-9D82367B6253}" type="datetimeFigureOut">
               <a:rPr lang="en-US" smtClean="0"/>
-              <a:t>6/13/2019</a:t>
+              <a:t>7/1/2019</a:t>
             </a:fld>
             <a:endParaRPr lang="en-US"/>
           </a:p>
@@ -3451,7 +3456,7 @@
           <a:p>
             <a:fld id="{F396D7B5-DCC5-4560-8F23-9D82367B6253}" type="datetimeFigureOut">
               <a:rPr lang="en-US" smtClean="0"/>
-              <a:t>6/13/2019</a:t>
+              <a:t>7/1/2019</a:t>
             </a:fld>
             <a:endParaRPr lang="en-US"/>
           </a:p>
@@ -3764,7 +3769,7 @@
           <a:p>
             <a:fld id="{F396D7B5-DCC5-4560-8F23-9D82367B6253}" type="datetimeFigureOut">
               <a:rPr lang="en-US" smtClean="0"/>
-              <a:t>6/13/2019</a:t>
+              <a:t>7/1/2019</a:t>
             </a:fld>
             <a:endParaRPr lang="en-US"/>
           </a:p>
@@ -4053,7 +4058,7 @@
           <a:p>
             <a:fld id="{F396D7B5-DCC5-4560-8F23-9D82367B6253}" type="datetimeFigureOut">
               <a:rPr lang="en-US" smtClean="0"/>
-              <a:t>6/13/2019</a:t>
+              <a:t>7/1/2019</a:t>
             </a:fld>
             <a:endParaRPr lang="en-US"/>
           </a:p>
@@ -4296,7 +4301,7 @@
           <a:p>
             <a:fld id="{F396D7B5-DCC5-4560-8F23-9D82367B6253}" type="datetimeFigureOut">
               <a:rPr lang="en-US" smtClean="0"/>
-              <a:t>6/13/2019</a:t>
+              <a:t>7/1/2019</a:t>
             </a:fld>
             <a:endParaRPr lang="en-US"/>
           </a:p>
@@ -4728,7 +4733,7 @@
           <p:nvPr>
             <p:extLst>
               <p:ext uri="{D42A27DB-BD31-4B8C-83A1-F6EECF244321}">
-                <p14:modId xmlns:p14="http://schemas.microsoft.com/office/powerpoint/2010/main" val="1543858759"/>
+                <p14:modId xmlns:p14="http://schemas.microsoft.com/office/powerpoint/2010/main" val="2373067968"/>
               </p:ext>
             </p:extLst>
           </p:nvPr>

--- a/img/Evaluation-Bandwidth.pptx
+++ b/img/Evaluation-Bandwidth.pptx
@@ -661,14 +661,13 @@
                   </a:defRPr>
                 </a:pPr>
                 <a:r>
-                  <a:rPr lang="de-CH" sz="1600" dirty="0"/>
-                  <a:t>Buffer </a:t>
+                  <a:rPr lang="de-CH" sz="1600"/>
+                  <a:t>Datagram </a:t>
                 </a:r>
                 <a:r>
-                  <a:rPr lang="de-CH" sz="1600"/>
+                  <a:rPr lang="de-CH" sz="1600" dirty="0"/>
                   <a:t>Size [Bytes]</a:t>
                 </a:r>
-                <a:endParaRPr lang="de-CH" sz="1600" dirty="0"/>
               </a:p>
             </c:rich>
           </c:tx>
@@ -1632,7 +1631,7 @@
           <a:p>
             <a:fld id="{F396D7B5-DCC5-4560-8F23-9D82367B6253}" type="datetimeFigureOut">
               <a:rPr lang="en-US" smtClean="0"/>
-              <a:t>7/1/2019</a:t>
+              <a:t>7/16/2019</a:t>
             </a:fld>
             <a:endParaRPr lang="en-US"/>
           </a:p>
@@ -1832,7 +1831,7 @@
           <a:p>
             <a:fld id="{F396D7B5-DCC5-4560-8F23-9D82367B6253}" type="datetimeFigureOut">
               <a:rPr lang="en-US" smtClean="0"/>
-              <a:t>7/1/2019</a:t>
+              <a:t>7/16/2019</a:t>
             </a:fld>
             <a:endParaRPr lang="en-US"/>
           </a:p>
@@ -2042,7 +2041,7 @@
           <a:p>
             <a:fld id="{F396D7B5-DCC5-4560-8F23-9D82367B6253}" type="datetimeFigureOut">
               <a:rPr lang="en-US" smtClean="0"/>
-              <a:t>7/1/2019</a:t>
+              <a:t>7/16/2019</a:t>
             </a:fld>
             <a:endParaRPr lang="en-US"/>
           </a:p>
@@ -2242,7 +2241,7 @@
           <a:p>
             <a:fld id="{F396D7B5-DCC5-4560-8F23-9D82367B6253}" type="datetimeFigureOut">
               <a:rPr lang="en-US" smtClean="0"/>
-              <a:t>7/1/2019</a:t>
+              <a:t>7/16/2019</a:t>
             </a:fld>
             <a:endParaRPr lang="en-US"/>
           </a:p>
@@ -2518,7 +2517,7 @@
           <a:p>
             <a:fld id="{F396D7B5-DCC5-4560-8F23-9D82367B6253}" type="datetimeFigureOut">
               <a:rPr lang="en-US" smtClean="0"/>
-              <a:t>7/1/2019</a:t>
+              <a:t>7/16/2019</a:t>
             </a:fld>
             <a:endParaRPr lang="en-US"/>
           </a:p>
@@ -2786,7 +2785,7 @@
           <a:p>
             <a:fld id="{F396D7B5-DCC5-4560-8F23-9D82367B6253}" type="datetimeFigureOut">
               <a:rPr lang="en-US" smtClean="0"/>
-              <a:t>7/1/2019</a:t>
+              <a:t>7/16/2019</a:t>
             </a:fld>
             <a:endParaRPr lang="en-US"/>
           </a:p>
@@ -3201,7 +3200,7 @@
           <a:p>
             <a:fld id="{F396D7B5-DCC5-4560-8F23-9D82367B6253}" type="datetimeFigureOut">
               <a:rPr lang="en-US" smtClean="0"/>
-              <a:t>7/1/2019</a:t>
+              <a:t>7/16/2019</a:t>
             </a:fld>
             <a:endParaRPr lang="en-US"/>
           </a:p>
@@ -3343,7 +3342,7 @@
           <a:p>
             <a:fld id="{F396D7B5-DCC5-4560-8F23-9D82367B6253}" type="datetimeFigureOut">
               <a:rPr lang="en-US" smtClean="0"/>
-              <a:t>7/1/2019</a:t>
+              <a:t>7/16/2019</a:t>
             </a:fld>
             <a:endParaRPr lang="en-US"/>
           </a:p>
@@ -3456,7 +3455,7 @@
           <a:p>
             <a:fld id="{F396D7B5-DCC5-4560-8F23-9D82367B6253}" type="datetimeFigureOut">
               <a:rPr lang="en-US" smtClean="0"/>
-              <a:t>7/1/2019</a:t>
+              <a:t>7/16/2019</a:t>
             </a:fld>
             <a:endParaRPr lang="en-US"/>
           </a:p>
@@ -3769,7 +3768,7 @@
           <a:p>
             <a:fld id="{F396D7B5-DCC5-4560-8F23-9D82367B6253}" type="datetimeFigureOut">
               <a:rPr lang="en-US" smtClean="0"/>
-              <a:t>7/1/2019</a:t>
+              <a:t>7/16/2019</a:t>
             </a:fld>
             <a:endParaRPr lang="en-US"/>
           </a:p>
@@ -4058,7 +4057,7 @@
           <a:p>
             <a:fld id="{F396D7B5-DCC5-4560-8F23-9D82367B6253}" type="datetimeFigureOut">
               <a:rPr lang="en-US" smtClean="0"/>
-              <a:t>7/1/2019</a:t>
+              <a:t>7/16/2019</a:t>
             </a:fld>
             <a:endParaRPr lang="en-US"/>
           </a:p>
@@ -4301,7 +4300,7 @@
           <a:p>
             <a:fld id="{F396D7B5-DCC5-4560-8F23-9D82367B6253}" type="datetimeFigureOut">
               <a:rPr lang="en-US" smtClean="0"/>
-              <a:t>7/1/2019</a:t>
+              <a:t>7/16/2019</a:t>
             </a:fld>
             <a:endParaRPr lang="en-US"/>
           </a:p>
@@ -4733,7 +4732,7 @@
           <p:nvPr>
             <p:extLst>
               <p:ext uri="{D42A27DB-BD31-4B8C-83A1-F6EECF244321}">
-                <p14:modId xmlns:p14="http://schemas.microsoft.com/office/powerpoint/2010/main" val="2373067968"/>
+                <p14:modId xmlns:p14="http://schemas.microsoft.com/office/powerpoint/2010/main" val="2875985387"/>
               </p:ext>
             </p:extLst>
           </p:nvPr>

--- a/img/Evaluation-Bandwidth.pptx
+++ b/img/Evaluation-Bandwidth.pptx
@@ -1631,7 +1631,7 @@
           <a:p>
             <a:fld id="{F396D7B5-DCC5-4560-8F23-9D82367B6253}" type="datetimeFigureOut">
               <a:rPr lang="en-US" smtClean="0"/>
-              <a:t>7/16/2019</a:t>
+              <a:t>7/29/2019</a:t>
             </a:fld>
             <a:endParaRPr lang="en-US"/>
           </a:p>
@@ -1831,7 +1831,7 @@
           <a:p>
             <a:fld id="{F396D7B5-DCC5-4560-8F23-9D82367B6253}" type="datetimeFigureOut">
               <a:rPr lang="en-US" smtClean="0"/>
-              <a:t>7/16/2019</a:t>
+              <a:t>7/29/2019</a:t>
             </a:fld>
             <a:endParaRPr lang="en-US"/>
           </a:p>
@@ -2041,7 +2041,7 @@
           <a:p>
             <a:fld id="{F396D7B5-DCC5-4560-8F23-9D82367B6253}" type="datetimeFigureOut">
               <a:rPr lang="en-US" smtClean="0"/>
-              <a:t>7/16/2019</a:t>
+              <a:t>7/29/2019</a:t>
             </a:fld>
             <a:endParaRPr lang="en-US"/>
           </a:p>
@@ -2241,7 +2241,7 @@
           <a:p>
             <a:fld id="{F396D7B5-DCC5-4560-8F23-9D82367B6253}" type="datetimeFigureOut">
               <a:rPr lang="en-US" smtClean="0"/>
-              <a:t>7/16/2019</a:t>
+              <a:t>7/29/2019</a:t>
             </a:fld>
             <a:endParaRPr lang="en-US"/>
           </a:p>
@@ -2517,7 +2517,7 @@
           <a:p>
             <a:fld id="{F396D7B5-DCC5-4560-8F23-9D82367B6253}" type="datetimeFigureOut">
               <a:rPr lang="en-US" smtClean="0"/>
-              <a:t>7/16/2019</a:t>
+              <a:t>7/29/2019</a:t>
             </a:fld>
             <a:endParaRPr lang="en-US"/>
           </a:p>
@@ -2785,7 +2785,7 @@
           <a:p>
             <a:fld id="{F396D7B5-DCC5-4560-8F23-9D82367B6253}" type="datetimeFigureOut">
               <a:rPr lang="en-US" smtClean="0"/>
-              <a:t>7/16/2019</a:t>
+              <a:t>7/29/2019</a:t>
             </a:fld>
             <a:endParaRPr lang="en-US"/>
           </a:p>
@@ -3200,7 +3200,7 @@
           <a:p>
             <a:fld id="{F396D7B5-DCC5-4560-8F23-9D82367B6253}" type="datetimeFigureOut">
               <a:rPr lang="en-US" smtClean="0"/>
-              <a:t>7/16/2019</a:t>
+              <a:t>7/29/2019</a:t>
             </a:fld>
             <a:endParaRPr lang="en-US"/>
           </a:p>
@@ -3342,7 +3342,7 @@
           <a:p>
             <a:fld id="{F396D7B5-DCC5-4560-8F23-9D82367B6253}" type="datetimeFigureOut">
               <a:rPr lang="en-US" smtClean="0"/>
-              <a:t>7/16/2019</a:t>
+              <a:t>7/29/2019</a:t>
             </a:fld>
             <a:endParaRPr lang="en-US"/>
           </a:p>
@@ -3455,7 +3455,7 @@
           <a:p>
             <a:fld id="{F396D7B5-DCC5-4560-8F23-9D82367B6253}" type="datetimeFigureOut">
               <a:rPr lang="en-US" smtClean="0"/>
-              <a:t>7/16/2019</a:t>
+              <a:t>7/29/2019</a:t>
             </a:fld>
             <a:endParaRPr lang="en-US"/>
           </a:p>
@@ -3768,7 +3768,7 @@
           <a:p>
             <a:fld id="{F396D7B5-DCC5-4560-8F23-9D82367B6253}" type="datetimeFigureOut">
               <a:rPr lang="en-US" smtClean="0"/>
-              <a:t>7/16/2019</a:t>
+              <a:t>7/29/2019</a:t>
             </a:fld>
             <a:endParaRPr lang="en-US"/>
           </a:p>
@@ -4057,7 +4057,7 @@
           <a:p>
             <a:fld id="{F396D7B5-DCC5-4560-8F23-9D82367B6253}" type="datetimeFigureOut">
               <a:rPr lang="en-US" smtClean="0"/>
-              <a:t>7/16/2019</a:t>
+              <a:t>7/29/2019</a:t>
             </a:fld>
             <a:endParaRPr lang="en-US"/>
           </a:p>
@@ -4300,7 +4300,7 @@
           <a:p>
             <a:fld id="{F396D7B5-DCC5-4560-8F23-9D82367B6253}" type="datetimeFigureOut">
               <a:rPr lang="en-US" smtClean="0"/>
-              <a:t>7/16/2019</a:t>
+              <a:t>7/29/2019</a:t>
             </a:fld>
             <a:endParaRPr lang="en-US"/>
           </a:p>
@@ -4717,42 +4717,12 @@
           <a:chExt cx="0" cy="0"/>
         </a:xfrm>
       </p:grpSpPr>
-      <p:graphicFrame>
-        <p:nvGraphicFramePr>
-          <p:cNvPr id="9" name="Diagramm 8">
-            <a:extLst>
-              <a:ext uri="{FF2B5EF4-FFF2-40B4-BE49-F238E27FC236}">
-                <a16:creationId xmlns:a16="http://schemas.microsoft.com/office/drawing/2014/main" id="{F1C625FE-7A65-4DAF-B71C-A77C5E0F1411}"/>
-              </a:ext>
-            </a:extLst>
-          </p:cNvPr>
-          <p:cNvGraphicFramePr>
-            <a:graphicFrameLocks/>
-          </p:cNvGraphicFramePr>
-          <p:nvPr>
-            <p:extLst>
-              <p:ext uri="{D42A27DB-BD31-4B8C-83A1-F6EECF244321}">
-                <p14:modId xmlns:p14="http://schemas.microsoft.com/office/powerpoint/2010/main" val="2875985387"/>
-              </p:ext>
-            </p:extLst>
-          </p:nvPr>
-        </p:nvGraphicFramePr>
-        <p:xfrm>
-          <a:off x="1056000" y="189000"/>
-          <a:ext cx="10080000" cy="6480000"/>
-        </p:xfrm>
-        <a:graphic>
-          <a:graphicData uri="http://schemas.openxmlformats.org/drawingml/2006/chart">
-            <c:chart xmlns:c="http://schemas.openxmlformats.org/drawingml/2006/chart" xmlns:r="http://schemas.openxmlformats.org/officeDocument/2006/relationships" r:id="rId2"/>
-          </a:graphicData>
-        </a:graphic>
-      </p:graphicFrame>
       <p:grpSp>
         <p:nvGrpSpPr>
-          <p:cNvPr id="8" name="Gruppieren 7">
-            <a:extLst>
-              <a:ext uri="{FF2B5EF4-FFF2-40B4-BE49-F238E27FC236}">
-                <a16:creationId xmlns:a16="http://schemas.microsoft.com/office/drawing/2014/main" id="{9F2B5F18-666A-4D17-BA1B-08D4162D4840}"/>
+          <p:cNvPr id="2" name="Gruppieren 1">
+            <a:extLst>
+              <a:ext uri="{FF2B5EF4-FFF2-40B4-BE49-F238E27FC236}">
+                <a16:creationId xmlns:a16="http://schemas.microsoft.com/office/drawing/2014/main" id="{7861FDA3-C3B8-4315-8CFF-342AB648C78A}"/>
               </a:ext>
             </a:extLst>
           </p:cNvPr>
@@ -4761,95 +4731,146 @@
         </p:nvGrpSpPr>
         <p:grpSpPr>
           <a:xfrm>
-            <a:off x="1994170" y="1050582"/>
-            <a:ext cx="8988358" cy="369332"/>
-            <a:chOff x="1984442" y="1206230"/>
-            <a:chExt cx="8988358" cy="369332"/>
+            <a:off x="1056000" y="189000"/>
+            <a:ext cx="10080000" cy="6480000"/>
+            <a:chOff x="1056000" y="189000"/>
+            <a:chExt cx="10080000" cy="6480000"/>
           </a:xfrm>
         </p:grpSpPr>
-        <p:cxnSp>
-          <p:nvCxnSpPr>
-            <p:cNvPr id="6" name="Gerader Verbinder 5">
+        <p:graphicFrame>
+          <p:nvGraphicFramePr>
+            <p:cNvPr id="9" name="Diagramm 8">
               <a:extLst>
                 <a:ext uri="{FF2B5EF4-FFF2-40B4-BE49-F238E27FC236}">
-                  <a16:creationId xmlns:a16="http://schemas.microsoft.com/office/drawing/2014/main" id="{1DE920E4-6880-41DF-856D-1CE33A830020}"/>
+                  <a16:creationId xmlns:a16="http://schemas.microsoft.com/office/drawing/2014/main" id="{F1C625FE-7A65-4DAF-B71C-A77C5E0F1411}"/>
                 </a:ext>
               </a:extLst>
             </p:cNvPr>
-            <p:cNvCxnSpPr/>
-            <p:nvPr/>
-          </p:nvCxnSpPr>
-          <p:spPr>
-            <a:xfrm>
-              <a:off x="1984442" y="1390896"/>
-              <a:ext cx="8988358" cy="0"/>
-            </a:xfrm>
-            <a:prstGeom prst="line">
-              <a:avLst/>
-            </a:prstGeom>
-            <a:ln w="38100">
-              <a:solidFill>
-                <a:srgbClr val="FF0000"/>
-              </a:solidFill>
-            </a:ln>
-          </p:spPr>
-          <p:style>
-            <a:lnRef idx="1">
-              <a:schemeClr val="accent1"/>
-            </a:lnRef>
-            <a:fillRef idx="0">
-              <a:schemeClr val="accent1"/>
-            </a:fillRef>
-            <a:effectRef idx="0">
-              <a:schemeClr val="accent1"/>
-            </a:effectRef>
-            <a:fontRef idx="minor">
-              <a:schemeClr val="tx1"/>
-            </a:fontRef>
-          </p:style>
-        </p:cxnSp>
-        <p:sp>
-          <p:nvSpPr>
-            <p:cNvPr id="7" name="Textfeld 6">
+            <p:cNvGraphicFramePr>
+              <a:graphicFrameLocks/>
+            </p:cNvGraphicFramePr>
+            <p:nvPr>
+              <p:extLst>
+                <p:ext uri="{D42A27DB-BD31-4B8C-83A1-F6EECF244321}">
+                  <p14:modId xmlns:p14="http://schemas.microsoft.com/office/powerpoint/2010/main" val="4290036296"/>
+                </p:ext>
+              </p:extLst>
+            </p:nvPr>
+          </p:nvGraphicFramePr>
+          <p:xfrm>
+            <a:off x="1056000" y="189000"/>
+            <a:ext cx="10080000" cy="6480000"/>
+          </p:xfrm>
+          <a:graphic>
+            <a:graphicData uri="http://schemas.openxmlformats.org/drawingml/2006/chart">
+              <c:chart xmlns:c="http://schemas.openxmlformats.org/drawingml/2006/chart" xmlns:r="http://schemas.openxmlformats.org/officeDocument/2006/relationships" r:id="rId2"/>
+            </a:graphicData>
+          </a:graphic>
+        </p:graphicFrame>
+        <p:grpSp>
+          <p:nvGrpSpPr>
+            <p:cNvPr id="8" name="Gruppieren 7">
               <a:extLst>
                 <a:ext uri="{FF2B5EF4-FFF2-40B4-BE49-F238E27FC236}">
-                  <a16:creationId xmlns:a16="http://schemas.microsoft.com/office/drawing/2014/main" id="{0FC3DA1C-C4AD-4A0C-B4D4-EFEF62AF97EE}"/>
+                  <a16:creationId xmlns:a16="http://schemas.microsoft.com/office/drawing/2014/main" id="{9F2B5F18-666A-4D17-BA1B-08D4162D4840}"/>
                 </a:ext>
               </a:extLst>
             </p:cNvPr>
-            <p:cNvSpPr txBox="1"/>
+            <p:cNvGrpSpPr/>
             <p:nvPr/>
-          </p:nvSpPr>
-          <p:spPr>
+          </p:nvGrpSpPr>
+          <p:grpSpPr>
             <a:xfrm>
-              <a:off x="5622587" y="1206230"/>
-              <a:ext cx="1712068" cy="369332"/>
+              <a:off x="1994170" y="1050582"/>
+              <a:ext cx="8988358" cy="369332"/>
+              <a:chOff x="1984442" y="1206230"/>
+              <a:chExt cx="8988358" cy="369332"/>
             </a:xfrm>
-            <a:prstGeom prst="rect">
-              <a:avLst/>
-            </a:prstGeom>
-            <a:solidFill>
-              <a:schemeClr val="bg1"/>
-            </a:solidFill>
-          </p:spPr>
-          <p:txBody>
-            <a:bodyPr wrap="square" rtlCol="0">
-              <a:spAutoFit/>
-            </a:bodyPr>
-            <a:lstStyle/>
-            <a:p>
-              <a:pPr algn="ctr"/>
-              <a:r>
-                <a:rPr lang="en-US" dirty="0">
-                  <a:solidFill>
-                    <a:srgbClr val="FF0000"/>
-                  </a:solidFill>
-                </a:rPr>
-                <a:t>Bandwidth Limit</a:t>
-              </a:r>
-            </a:p>
-          </p:txBody>
-        </p:sp>
+          </p:grpSpPr>
+          <p:cxnSp>
+            <p:nvCxnSpPr>
+              <p:cNvPr id="6" name="Gerader Verbinder 5">
+                <a:extLst>
+                  <a:ext uri="{FF2B5EF4-FFF2-40B4-BE49-F238E27FC236}">
+                    <a16:creationId xmlns:a16="http://schemas.microsoft.com/office/drawing/2014/main" id="{1DE920E4-6880-41DF-856D-1CE33A830020}"/>
+                  </a:ext>
+                </a:extLst>
+              </p:cNvPr>
+              <p:cNvCxnSpPr/>
+              <p:nvPr/>
+            </p:nvCxnSpPr>
+            <p:spPr>
+              <a:xfrm>
+                <a:off x="1984442" y="1390896"/>
+                <a:ext cx="8988358" cy="0"/>
+              </a:xfrm>
+              <a:prstGeom prst="line">
+                <a:avLst/>
+              </a:prstGeom>
+              <a:ln w="38100">
+                <a:solidFill>
+                  <a:srgbClr val="FF0000"/>
+                </a:solidFill>
+              </a:ln>
+            </p:spPr>
+            <p:style>
+              <a:lnRef idx="1">
+                <a:schemeClr val="accent1"/>
+              </a:lnRef>
+              <a:fillRef idx="0">
+                <a:schemeClr val="accent1"/>
+              </a:fillRef>
+              <a:effectRef idx="0">
+                <a:schemeClr val="accent1"/>
+              </a:effectRef>
+              <a:fontRef idx="minor">
+                <a:schemeClr val="tx1"/>
+              </a:fontRef>
+            </p:style>
+          </p:cxnSp>
+          <p:sp>
+            <p:nvSpPr>
+              <p:cNvPr id="7" name="Textfeld 6">
+                <a:extLst>
+                  <a:ext uri="{FF2B5EF4-FFF2-40B4-BE49-F238E27FC236}">
+                    <a16:creationId xmlns:a16="http://schemas.microsoft.com/office/drawing/2014/main" id="{0FC3DA1C-C4AD-4A0C-B4D4-EFEF62AF97EE}"/>
+                  </a:ext>
+                </a:extLst>
+              </p:cNvPr>
+              <p:cNvSpPr txBox="1"/>
+              <p:nvPr/>
+            </p:nvSpPr>
+            <p:spPr>
+              <a:xfrm>
+                <a:off x="5622587" y="1206230"/>
+                <a:ext cx="1712068" cy="369332"/>
+              </a:xfrm>
+              <a:prstGeom prst="rect">
+                <a:avLst/>
+              </a:prstGeom>
+              <a:solidFill>
+                <a:schemeClr val="bg1"/>
+              </a:solidFill>
+            </p:spPr>
+            <p:txBody>
+              <a:bodyPr wrap="square" rtlCol="0">
+                <a:spAutoFit/>
+              </a:bodyPr>
+              <a:lstStyle/>
+              <a:p>
+                <a:pPr algn="ctr"/>
+                <a:r>
+                  <a:rPr lang="en-US" dirty="0">
+                    <a:solidFill>
+                      <a:srgbClr val="FF0000"/>
+                    </a:solidFill>
+                  </a:rPr>
+                  <a:t>Bandwidth Limit</a:t>
+                </a:r>
+              </a:p>
+            </p:txBody>
+          </p:sp>
+        </p:grpSp>
       </p:grpSp>
     </p:spTree>
     <p:extLst>
